--- a/docs/ModSilva.pptx
+++ b/docs/ModSilva.pptx
@@ -5,7 +5,7 @@
     <p:sldMasterId id="2147483660" r:id="rId1"/>
   </p:sldMasterIdLst>
   <p:notesMasterIdLst>
-    <p:notesMasterId r:id="rId29"/>
+    <p:notesMasterId r:id="rId33"/>
   </p:notesMasterIdLst>
   <p:sldIdLst>
     <p:sldId id="256" r:id="rId2"/>
@@ -22,19 +22,23 @@
     <p:sldId id="265" r:id="rId13"/>
     <p:sldId id="266" r:id="rId14"/>
     <p:sldId id="268" r:id="rId15"/>
-    <p:sldId id="269" r:id="rId16"/>
-    <p:sldId id="270" r:id="rId17"/>
-    <p:sldId id="271" r:id="rId18"/>
-    <p:sldId id="272" r:id="rId19"/>
-    <p:sldId id="273" r:id="rId20"/>
-    <p:sldId id="274" r:id="rId21"/>
-    <p:sldId id="280" r:id="rId22"/>
-    <p:sldId id="275" r:id="rId23"/>
-    <p:sldId id="284" r:id="rId24"/>
-    <p:sldId id="283" r:id="rId25"/>
-    <p:sldId id="282" r:id="rId26"/>
-    <p:sldId id="277" r:id="rId27"/>
-    <p:sldId id="278" r:id="rId28"/>
+    <p:sldId id="285" r:id="rId16"/>
+    <p:sldId id="286" r:id="rId17"/>
+    <p:sldId id="287" r:id="rId18"/>
+    <p:sldId id="288" r:id="rId19"/>
+    <p:sldId id="269" r:id="rId20"/>
+    <p:sldId id="270" r:id="rId21"/>
+    <p:sldId id="271" r:id="rId22"/>
+    <p:sldId id="272" r:id="rId23"/>
+    <p:sldId id="273" r:id="rId24"/>
+    <p:sldId id="274" r:id="rId25"/>
+    <p:sldId id="280" r:id="rId26"/>
+    <p:sldId id="275" r:id="rId27"/>
+    <p:sldId id="284" r:id="rId28"/>
+    <p:sldId id="283" r:id="rId29"/>
+    <p:sldId id="282" r:id="rId30"/>
+    <p:sldId id="277" r:id="rId31"/>
+    <p:sldId id="278" r:id="rId32"/>
   </p:sldIdLst>
   <p:sldSz cx="9144000" cy="6858000" type="screen4x3"/>
   <p:notesSz cx="6858000" cy="9144000"/>
@@ -218,7 +222,8 @@
           <a:p>
             <a:fld id="{67B653DF-864A-4749-A5CE-8CA1B8B8B28A}" type="datetimeFigureOut">
               <a:rPr lang="pt-BR" smtClean="0"/>
-              <a:t>14/12/2009</a:t>
+              <a:pPr/>
+              <a:t>15/12/2009</a:t>
             </a:fld>
             <a:endParaRPr lang="pt-BR"/>
           </a:p>
@@ -379,7 +384,8 @@
           <a:p>
             <a:fld id="{647E28D8-C69B-4BF2-AB64-4D0E3BCAF472}" type="slidenum">
               <a:rPr lang="pt-BR" smtClean="0"/>
-              <a:t>‹#›</a:t>
+              <a:pPr/>
+              <a:t>‹nº›</a:t>
             </a:fld>
             <a:endParaRPr lang="pt-BR"/>
           </a:p>
@@ -566,7 +572,8 @@
           <a:p>
             <a:fld id="{647E28D8-C69B-4BF2-AB64-4D0E3BCAF472}" type="slidenum">
               <a:rPr lang="pt-BR" smtClean="0"/>
-              <a:t>22</a:t>
+              <a:pPr/>
+              <a:t>26</a:t>
             </a:fld>
             <a:endParaRPr lang="pt-BR"/>
           </a:p>
@@ -1304,7 +1311,7 @@
             <a:fld id="{63C76F7A-2DCE-4467-8035-0CB953FF8280}" type="slidenum">
               <a:rPr lang="en-US"/>
               <a:pPr/>
-              <a:t>‹#›</a:t>
+              <a:t>‹nº›</a:t>
             </a:fld>
             <a:endParaRPr lang="en-US"/>
           </a:p>
@@ -1442,7 +1449,7 @@
             <a:fld id="{14E19ED5-B1F8-47E4-B723-FFAAAA07DE48}" type="slidenum">
               <a:rPr lang="en-US"/>
               <a:pPr/>
-              <a:t>‹#›</a:t>
+              <a:t>‹nº›</a:t>
             </a:fld>
             <a:endParaRPr lang="en-US"/>
           </a:p>
@@ -1642,7 +1649,7 @@
             <a:fld id="{6EB8CE6A-6587-4CA7-85CC-17AB845E2AC9}" type="slidenum">
               <a:rPr lang="en-US"/>
               <a:pPr/>
-              <a:t>‹#›</a:t>
+              <a:t>‹nº›</a:t>
             </a:fld>
             <a:endParaRPr lang="en-US"/>
           </a:p>
@@ -1899,7 +1906,7 @@
             <a:fld id="{175A9F99-E985-4DA5-8F1D-D57D97614276}" type="slidenum">
               <a:rPr lang="en-US"/>
               <a:pPr/>
-              <a:t>‹#›</a:t>
+              <a:t>‹nº›</a:t>
             </a:fld>
             <a:endParaRPr lang="en-US"/>
           </a:p>
@@ -2027,7 +2034,7 @@
             <a:fld id="{0662D880-6AF0-4701-9C11-64CF39A4AFCE}" type="slidenum">
               <a:rPr lang="en-US"/>
               <a:pPr/>
-              <a:t>‹#›</a:t>
+              <a:t>‹nº›</a:t>
             </a:fld>
             <a:endParaRPr lang="en-US"/>
           </a:p>
@@ -2177,7 +2184,7 @@
             <a:fld id="{058D19F5-E913-418A-A90D-8E876A2C46D8}" type="slidenum">
               <a:rPr lang="en-US"/>
               <a:pPr/>
-              <a:t>‹#›</a:t>
+              <a:t>‹nº›</a:t>
             </a:fld>
             <a:endParaRPr lang="en-US"/>
           </a:p>
@@ -2423,7 +2430,7 @@
             <a:fld id="{63DE03BE-A6B0-4A3C-8F2C-5DD68E01B3C5}" type="slidenum">
               <a:rPr lang="en-US"/>
               <a:pPr/>
-              <a:t>‹#›</a:t>
+              <a:t>‹nº›</a:t>
             </a:fld>
             <a:endParaRPr lang="en-US"/>
           </a:p>
@@ -2808,7 +2815,7 @@
             <a:fld id="{31ED3E2B-0F2F-46BA-A63E-A3C9380B8D89}" type="slidenum">
               <a:rPr lang="en-US"/>
               <a:pPr/>
-              <a:t>‹#›</a:t>
+              <a:t>‹nº›</a:t>
             </a:fld>
             <a:endParaRPr lang="en-US"/>
           </a:p>
@@ -2884,7 +2891,7 @@
             <a:fld id="{8099145E-9946-4A1C-BD96-E111BAD57951}" type="slidenum">
               <a:rPr lang="en-US"/>
               <a:pPr/>
-              <a:t>‹#›</a:t>
+              <a:t>‹nº›</a:t>
             </a:fld>
             <a:endParaRPr lang="en-US"/>
           </a:p>
@@ -2937,7 +2944,7 @@
             <a:fld id="{EC518FC6-42B3-4F5A-89E3-BB1B2B304192}" type="slidenum">
               <a:rPr lang="en-US"/>
               <a:pPr/>
-              <a:t>‹#›</a:t>
+              <a:t>‹nº›</a:t>
             </a:fld>
             <a:endParaRPr lang="en-US"/>
           </a:p>
@@ -3172,7 +3179,7 @@
             <a:fld id="{5937091C-88C5-4DA7-9255-D9EB994CBBE9}" type="slidenum">
               <a:rPr lang="en-US"/>
               <a:pPr/>
-              <a:t>‹#›</a:t>
+              <a:t>‹nº›</a:t>
             </a:fld>
             <a:endParaRPr lang="en-US"/>
           </a:p>
@@ -3383,7 +3390,7 @@
             <a:fld id="{F45717B4-793F-4F0F-8136-7C2BCE35E74A}" type="slidenum">
               <a:rPr lang="en-US"/>
               <a:pPr/>
-              <a:t>‹#›</a:t>
+              <a:t>‹nº›</a:t>
             </a:fld>
             <a:endParaRPr lang="en-US"/>
           </a:p>
@@ -3750,7 +3757,7 @@
             <a:fld id="{63815938-F3FF-431E-94D7-D639ACFB0787}" type="slidenum">
               <a:rPr lang="en-US"/>
               <a:pPr/>
-              <a:t>‹#›</a:t>
+              <a:t>‹nº›</a:t>
             </a:fld>
             <a:endParaRPr lang="en-US"/>
           </a:p>
@@ -7238,7 +7245,68 @@
           <a:bodyPr/>
           <a:lstStyle/>
           <a:p>
-            <a:endParaRPr lang="pt-BR"/>
+            <a:r>
+              <a:rPr lang="pt-BR" dirty="0" smtClean="0"/>
+              <a:t>Estímulo visual usado: retas verticais</a:t>
+            </a:r>
+          </a:p>
+          <a:p>
+            <a:r>
+              <a:rPr lang="pt-BR" dirty="0" smtClean="0"/>
+              <a:t>Modelo de câmera </a:t>
+            </a:r>
+            <a:r>
+              <a:rPr lang="pt-BR" i="1" dirty="0" err="1" smtClean="0"/>
+              <a:t>pinhole</a:t>
+            </a:r>
+            <a:endParaRPr lang="pt-BR" i="1" dirty="0" smtClean="0"/>
+          </a:p>
+          <a:p>
+            <a:r>
+              <a:rPr lang="pt-BR" dirty="0" smtClean="0"/>
+              <a:t>Uso de perfil de cor para </a:t>
+            </a:r>
+            <a:r>
+              <a:rPr lang="pt-BR" dirty="0" smtClean="0"/>
+              <a:t>identificação</a:t>
+            </a:r>
+          </a:p>
+          <a:p>
+            <a:r>
+              <a:rPr lang="pt-BR" dirty="0" smtClean="0"/>
+              <a:t>Marcos:</a:t>
+            </a:r>
+          </a:p>
+          <a:p>
+            <a:pPr lvl="1"/>
+            <a:r>
+              <a:rPr lang="pt-BR" dirty="0" smtClean="0"/>
+              <a:t>Posição no mundo conhecida</a:t>
+            </a:r>
+          </a:p>
+          <a:p>
+            <a:pPr lvl="1"/>
+            <a:r>
+              <a:rPr lang="pt-BR" dirty="0" smtClean="0"/>
+              <a:t>Perfil de cor </a:t>
+            </a:r>
+            <a:r>
+              <a:rPr lang="pt-BR" dirty="0" smtClean="0"/>
+              <a:t>conhecido</a:t>
+            </a:r>
+            <a:endParaRPr lang="pt-BR" i="1" dirty="0" smtClean="0"/>
+          </a:p>
+          <a:p>
+            <a:r>
+              <a:rPr lang="pt-BR" dirty="0" smtClean="0"/>
+              <a:t>Associação entre projeções e marcos</a:t>
+            </a:r>
+          </a:p>
+          <a:p>
+            <a:endParaRPr lang="pt-BR" dirty="0" smtClean="0"/>
+          </a:p>
+          <a:p>
+            <a:endParaRPr lang="pt-BR" dirty="0" smtClean="0"/>
           </a:p>
         </p:txBody>
       </p:sp>
@@ -7315,7 +7383,7 @@
           <a:p>
             <a:r>
               <a:rPr lang="pt-BR" dirty="0" smtClean="0"/>
-              <a:t>Navegação</a:t>
+              <a:t>Modelo da Visão</a:t>
             </a:r>
             <a:endParaRPr lang="pt-BR" dirty="0"/>
           </a:p>
@@ -7323,12 +7391,12 @@
       </p:sp>
       <p:sp>
         <p:nvSpPr>
-          <p:cNvPr id="3" name="Espaço Reservado para Texto 2"/>
+          <p:cNvPr id="3" name="Espaço Reservado para Conteúdo 2"/>
           <p:cNvSpPr>
             <a:spLocks noGrp="1"/>
           </p:cNvSpPr>
           <p:nvPr>
-            <p:ph type="body" idx="1"/>
+            <p:ph idx="1"/>
           </p:nvPr>
         </p:nvSpPr>
         <p:spPr/>
@@ -7336,22 +7404,10 @@
           <a:bodyPr/>
           <a:lstStyle/>
           <a:p>
-            <a:r>
-              <a:rPr lang="pt-BR" dirty="0" smtClean="0"/>
-              <a:t>Navegação intramapa</a:t>
-            </a:r>
-          </a:p>
-          <a:p>
-            <a:r>
-              <a:rPr lang="pt-BR" dirty="0" smtClean="0"/>
-              <a:t>Navegação intermapa</a:t>
-            </a:r>
-          </a:p>
-          <a:p>
-            <a:r>
-              <a:rPr lang="pt-BR" dirty="0" smtClean="0"/>
-              <a:t>Execução</a:t>
-            </a:r>
+            <a:endParaRPr lang="pt-BR" dirty="0" smtClean="0"/>
+          </a:p>
+          <a:p>
+            <a:endParaRPr lang="pt-BR" dirty="0" smtClean="0"/>
           </a:p>
         </p:txBody>
       </p:sp>
@@ -7370,12 +7426,42 @@
           <a:bodyPr/>
           <a:lstStyle/>
           <a:p>
-            <a:fld id="{058D19F5-E913-418A-A90D-8E876A2C46D8}" type="slidenum">
+            <a:fld id="{0662D880-6AF0-4701-9C11-64CF39A4AFCE}" type="slidenum">
               <a:rPr lang="en-US" smtClean="0"/>
               <a:pPr/>
               <a:t>15</a:t>
             </a:fld>
             <a:endParaRPr lang="en-US"/>
+          </a:p>
+        </p:txBody>
+      </p:sp>
+      <p:sp>
+        <p:nvSpPr>
+          <p:cNvPr id="9" name="CaixaDeTexto 8"/>
+          <p:cNvSpPr txBox="1"/>
+          <p:nvPr/>
+        </p:nvSpPr>
+        <p:spPr>
+          <a:xfrm>
+            <a:off x="3286116" y="3714752"/>
+            <a:ext cx="3286148" cy="369332"/>
+          </a:xfrm>
+          <a:prstGeom prst="rect">
+            <a:avLst/>
+          </a:prstGeom>
+          <a:noFill/>
+        </p:spPr>
+        <p:txBody>
+          <a:bodyPr wrap="square" rtlCol="0">
+            <a:spAutoFit/>
+          </a:bodyPr>
+          <a:lstStyle/>
+          <a:p>
+            <a:r>
+              <a:rPr lang="pt-BR" dirty="0" smtClean="0"/>
+              <a:t>Foto original do corredor aqui</a:t>
+            </a:r>
+            <a:endParaRPr lang="pt-BR" dirty="0"/>
           </a:p>
         </p:txBody>
       </p:sp>
@@ -7428,7 +7514,7 @@
           <a:p>
             <a:r>
               <a:rPr lang="pt-BR" dirty="0" smtClean="0"/>
-              <a:t>Navegação intramapa</a:t>
+              <a:t>Modelo da Visão</a:t>
             </a:r>
             <a:endParaRPr lang="pt-BR" dirty="0"/>
           </a:p>
@@ -7449,11 +7535,10 @@
           <a:bodyPr/>
           <a:lstStyle/>
           <a:p>
-            <a:r>
-              <a:rPr lang="pt-BR" dirty="0" smtClean="0"/>
-              <a:t>A*</a:t>
-            </a:r>
-            <a:endParaRPr lang="pt-BR" dirty="0"/>
+            <a:endParaRPr lang="pt-BR" dirty="0" smtClean="0"/>
+          </a:p>
+          <a:p>
+            <a:endParaRPr lang="pt-BR" dirty="0" smtClean="0"/>
           </a:p>
         </p:txBody>
       </p:sp>
@@ -7478,6 +7563,44 @@
               <a:t>16</a:t>
             </a:fld>
             <a:endParaRPr lang="en-US"/>
+          </a:p>
+        </p:txBody>
+      </p:sp>
+      <p:sp>
+        <p:nvSpPr>
+          <p:cNvPr id="9" name="CaixaDeTexto 8"/>
+          <p:cNvSpPr txBox="1"/>
+          <p:nvPr/>
+        </p:nvSpPr>
+        <p:spPr>
+          <a:xfrm>
+            <a:off x="3286116" y="3714752"/>
+            <a:ext cx="3286148" cy="646331"/>
+          </a:xfrm>
+          <a:prstGeom prst="rect">
+            <a:avLst/>
+          </a:prstGeom>
+          <a:noFill/>
+        </p:spPr>
+        <p:txBody>
+          <a:bodyPr wrap="square" rtlCol="0">
+            <a:spAutoFit/>
+          </a:bodyPr>
+          <a:lstStyle/>
+          <a:p>
+            <a:r>
+              <a:rPr lang="pt-BR" dirty="0" smtClean="0"/>
+              <a:t>Foto com a imagem após o operador </a:t>
+            </a:r>
+            <a:r>
+              <a:rPr lang="pt-BR" dirty="0" err="1" smtClean="0"/>
+              <a:t>sobel</a:t>
+            </a:r>
+            <a:r>
+              <a:rPr lang="pt-BR" dirty="0" smtClean="0"/>
+              <a:t> aqui</a:t>
+            </a:r>
+            <a:endParaRPr lang="pt-BR" dirty="0"/>
           </a:p>
         </p:txBody>
       </p:sp>
@@ -7530,7 +7653,7 @@
           <a:p>
             <a:r>
               <a:rPr lang="pt-BR" dirty="0" smtClean="0"/>
-              <a:t>Navegação intermapas</a:t>
+              <a:t>Modelo da Visão</a:t>
             </a:r>
             <a:endParaRPr lang="pt-BR" dirty="0"/>
           </a:p>
@@ -7551,25 +7674,10 @@
           <a:bodyPr/>
           <a:lstStyle/>
           <a:p>
-            <a:r>
-              <a:rPr lang="pt-BR" dirty="0" smtClean="0"/>
-              <a:t>Busca em profundidade</a:t>
-            </a:r>
-          </a:p>
-          <a:p>
-            <a:r>
-              <a:rPr lang="pt-BR" dirty="0" smtClean="0"/>
-              <a:t>Portal</a:t>
-            </a:r>
-          </a:p>
-          <a:p>
-            <a:r>
-              <a:rPr lang="pt-BR" dirty="0" smtClean="0"/>
-              <a:t>Troca de mapa</a:t>
-            </a:r>
-          </a:p>
-          <a:p>
-            <a:endParaRPr lang="pt-BR" dirty="0"/>
+            <a:endParaRPr lang="pt-BR" dirty="0" smtClean="0"/>
+          </a:p>
+          <a:p>
+            <a:endParaRPr lang="pt-BR" dirty="0" smtClean="0"/>
           </a:p>
         </p:txBody>
       </p:sp>
@@ -7594,6 +7702,36 @@
               <a:t>17</a:t>
             </a:fld>
             <a:endParaRPr lang="en-US"/>
+          </a:p>
+        </p:txBody>
+      </p:sp>
+      <p:sp>
+        <p:nvSpPr>
+          <p:cNvPr id="9" name="CaixaDeTexto 8"/>
+          <p:cNvSpPr txBox="1"/>
+          <p:nvPr/>
+        </p:nvSpPr>
+        <p:spPr>
+          <a:xfrm>
+            <a:off x="3286116" y="3714752"/>
+            <a:ext cx="3286148" cy="646331"/>
+          </a:xfrm>
+          <a:prstGeom prst="rect">
+            <a:avLst/>
+          </a:prstGeom>
+          <a:noFill/>
+        </p:spPr>
+        <p:txBody>
+          <a:bodyPr wrap="square" rtlCol="0">
+            <a:spAutoFit/>
+          </a:bodyPr>
+          <a:lstStyle/>
+          <a:p>
+            <a:r>
+              <a:rPr lang="pt-BR" dirty="0" smtClean="0"/>
+              <a:t>Foto com todas as projeções da extraídas aqui</a:t>
+            </a:r>
+            <a:endParaRPr lang="pt-BR" dirty="0"/>
           </a:p>
         </p:txBody>
       </p:sp>
@@ -7646,7 +7784,7 @@
           <a:p>
             <a:r>
               <a:rPr lang="pt-BR" dirty="0" smtClean="0"/>
-              <a:t>Execução</a:t>
+              <a:t>Modelo da Visão</a:t>
             </a:r>
             <a:endParaRPr lang="pt-BR" dirty="0"/>
           </a:p>
@@ -7667,23 +7805,10 @@
           <a:bodyPr/>
           <a:lstStyle/>
           <a:p>
-            <a:r>
-              <a:rPr lang="pt-BR" dirty="0" smtClean="0"/>
-              <a:t>Controle de rota</a:t>
-            </a:r>
-          </a:p>
-          <a:p>
-            <a:r>
-              <a:rPr lang="pt-BR" dirty="0" smtClean="0"/>
-              <a:t>Desvio de obstáculos</a:t>
-            </a:r>
-          </a:p>
-          <a:p>
-            <a:r>
-              <a:rPr lang="pt-BR" dirty="0" smtClean="0"/>
-              <a:t>Largada/Aproximação</a:t>
-            </a:r>
-            <a:endParaRPr lang="pt-BR" dirty="0"/>
+            <a:endParaRPr lang="pt-BR" dirty="0" smtClean="0"/>
+          </a:p>
+          <a:p>
+            <a:endParaRPr lang="pt-BR" dirty="0" smtClean="0"/>
           </a:p>
         </p:txBody>
       </p:sp>
@@ -7708,6 +7833,36 @@
               <a:t>18</a:t>
             </a:fld>
             <a:endParaRPr lang="en-US"/>
+          </a:p>
+        </p:txBody>
+      </p:sp>
+      <p:sp>
+        <p:nvSpPr>
+          <p:cNvPr id="8" name="CaixaDeTexto 7"/>
+          <p:cNvSpPr txBox="1"/>
+          <p:nvPr/>
+        </p:nvSpPr>
+        <p:spPr>
+          <a:xfrm>
+            <a:off x="3286116" y="3714752"/>
+            <a:ext cx="3286148" cy="646331"/>
+          </a:xfrm>
+          <a:prstGeom prst="rect">
+            <a:avLst/>
+          </a:prstGeom>
+          <a:noFill/>
+        </p:spPr>
+        <p:txBody>
+          <a:bodyPr wrap="square" rtlCol="0">
+            <a:spAutoFit/>
+          </a:bodyPr>
+          <a:lstStyle/>
+          <a:p>
+            <a:r>
+              <a:rPr lang="pt-BR" dirty="0" smtClean="0"/>
+              <a:t>Foto com a posição esperada dos marcos na imagem aqui</a:t>
+            </a:r>
+            <a:endParaRPr lang="pt-BR" dirty="0"/>
           </a:p>
         </p:txBody>
       </p:sp>
@@ -7760,7 +7915,7 @@
           <a:p>
             <a:r>
               <a:rPr lang="pt-BR" dirty="0" smtClean="0"/>
-              <a:t>Resultados e conclusão</a:t>
+              <a:t>Navegação</a:t>
             </a:r>
             <a:endParaRPr lang="pt-BR" dirty="0"/>
           </a:p>
@@ -7783,21 +7938,20 @@
           <a:p>
             <a:r>
               <a:rPr lang="pt-BR" dirty="0" smtClean="0"/>
-              <a:t>Resultados simulados</a:t>
+              <a:t>Navegação intramapa</a:t>
             </a:r>
           </a:p>
           <a:p>
             <a:r>
               <a:rPr lang="pt-BR" dirty="0" smtClean="0"/>
-              <a:t>Resultados reais</a:t>
+              <a:t>Navegação intermapa</a:t>
             </a:r>
           </a:p>
           <a:p>
             <a:r>
               <a:rPr lang="pt-BR" dirty="0" smtClean="0"/>
-              <a:t>Conclusão</a:t>
-            </a:r>
-            <a:endParaRPr lang="pt-BR" dirty="0"/>
+              <a:t>Execução</a:t>
+            </a:r>
           </a:p>
         </p:txBody>
       </p:sp>
@@ -8038,7 +8192,30 @@
           <a:p>
             <a:r>
               <a:rPr lang="pt-BR" dirty="0" smtClean="0"/>
-              <a:t>Resultados Simulados</a:t>
+              <a:t>Navegação intramapa</a:t>
+            </a:r>
+            <a:endParaRPr lang="pt-BR" dirty="0"/>
+          </a:p>
+        </p:txBody>
+      </p:sp>
+      <p:sp>
+        <p:nvSpPr>
+          <p:cNvPr id="3" name="Espaço Reservado para Conteúdo 2"/>
+          <p:cNvSpPr>
+            <a:spLocks noGrp="1"/>
+          </p:cNvSpPr>
+          <p:nvPr>
+            <p:ph idx="1"/>
+          </p:nvPr>
+        </p:nvSpPr>
+        <p:spPr/>
+        <p:txBody>
+          <a:bodyPr/>
+          <a:lstStyle/>
+          <a:p>
+            <a:r>
+              <a:rPr lang="pt-BR" dirty="0" smtClean="0"/>
+              <a:t>A*</a:t>
             </a:r>
             <a:endParaRPr lang="pt-BR" dirty="0"/>
           </a:p>
@@ -8068,38 +8245,6 @@
           </a:p>
         </p:txBody>
       </p:sp>
-      <p:pic>
-        <p:nvPicPr>
-          <p:cNvPr id="51203" name="Picture 3"/>
-          <p:cNvPicPr>
-            <a:picLocks noChangeAspect="1" noChangeArrowheads="1"/>
-          </p:cNvPicPr>
-          <p:nvPr/>
-        </p:nvPicPr>
-        <p:blipFill>
-          <a:blip r:embed="rId2" cstate="print"/>
-          <a:srcRect/>
-          <a:stretch>
-            <a:fillRect/>
-          </a:stretch>
-        </p:blipFill>
-        <p:spPr bwMode="auto">
-          <a:xfrm>
-            <a:off x="642911" y="2500306"/>
-            <a:ext cx="8501090" cy="1783053"/>
-          </a:xfrm>
-          <a:prstGeom prst="rect">
-            <a:avLst/>
-          </a:prstGeom>
-          <a:noFill/>
-          <a:ln w="9525">
-            <a:noFill/>
-            <a:miter lim="800000"/>
-            <a:headEnd/>
-            <a:tailEnd/>
-          </a:ln>
-        </p:spPr>
-      </p:pic>
     </p:spTree>
   </p:cSld>
   <p:clrMapOvr>
@@ -8134,7 +8279,7 @@
       </p:grpSpPr>
       <p:sp>
         <p:nvSpPr>
-          <p:cNvPr id="2" name="Title 1"/>
+          <p:cNvPr id="2" name="Título 1"/>
           <p:cNvSpPr>
             <a:spLocks noGrp="1"/>
           </p:cNvSpPr>
@@ -8149,7 +8294,7 @@
           <a:p>
             <a:r>
               <a:rPr lang="pt-BR" dirty="0" smtClean="0"/>
-              <a:t>Resultados Simulados</a:t>
+              <a:t>Navegação intermapas</a:t>
             </a:r>
             <a:endParaRPr lang="pt-BR" dirty="0"/>
           </a:p>
@@ -8157,7 +8302,44 @@
       </p:sp>
       <p:sp>
         <p:nvSpPr>
-          <p:cNvPr id="4" name="Slide Number Placeholder 3"/>
+          <p:cNvPr id="3" name="Espaço Reservado para Conteúdo 2"/>
+          <p:cNvSpPr>
+            <a:spLocks noGrp="1"/>
+          </p:cNvSpPr>
+          <p:nvPr>
+            <p:ph idx="1"/>
+          </p:nvPr>
+        </p:nvSpPr>
+        <p:spPr/>
+        <p:txBody>
+          <a:bodyPr/>
+          <a:lstStyle/>
+          <a:p>
+            <a:r>
+              <a:rPr lang="pt-BR" dirty="0" smtClean="0"/>
+              <a:t>Busca em profundidade</a:t>
+            </a:r>
+          </a:p>
+          <a:p>
+            <a:r>
+              <a:rPr lang="pt-BR" dirty="0" smtClean="0"/>
+              <a:t>Portal</a:t>
+            </a:r>
+          </a:p>
+          <a:p>
+            <a:r>
+              <a:rPr lang="pt-BR" dirty="0" smtClean="0"/>
+              <a:t>Troca de mapa</a:t>
+            </a:r>
+          </a:p>
+          <a:p>
+            <a:endParaRPr lang="pt-BR" dirty="0"/>
+          </a:p>
+        </p:txBody>
+      </p:sp>
+      <p:sp>
+        <p:nvSpPr>
+          <p:cNvPr id="4" name="Espaço Reservado para Número de Slide 3"/>
           <p:cNvSpPr>
             <a:spLocks noGrp="1"/>
           </p:cNvSpPr>
@@ -8179,141 +8361,18 @@
           </a:p>
         </p:txBody>
       </p:sp>
-      <p:pic>
-        <p:nvPicPr>
-          <p:cNvPr id="52226" name="Picture 2" descr="D:\Assignements\Matérias da poli\TCC\Docs\Monografia\imagens\resultados\SimuladoC2-43_Rampa.jpg"/>
-          <p:cNvPicPr>
-            <a:picLocks noChangeAspect="1" noChangeArrowheads="1"/>
-          </p:cNvPicPr>
-          <p:nvPr/>
-        </p:nvPicPr>
-        <p:blipFill>
-          <a:blip r:embed="rId2" cstate="print"/>
-          <a:srcRect/>
-          <a:stretch>
-            <a:fillRect/>
-          </a:stretch>
-        </p:blipFill>
-        <p:spPr bwMode="auto">
-          <a:xfrm>
-            <a:off x="5143504" y="4732308"/>
-            <a:ext cx="3857620" cy="1599501"/>
-          </a:xfrm>
-          <a:prstGeom prst="rect">
-            <a:avLst/>
-          </a:prstGeom>
-          <a:noFill/>
-        </p:spPr>
-      </p:pic>
-      <p:pic>
-        <p:nvPicPr>
-          <p:cNvPr id="52227" name="Picture 3" descr="D:\Assignements\Matérias da poli\TCC\Docs\Monografia\imagens\resultados\SimuladoC2-66_C2-13.jpg"/>
-          <p:cNvPicPr>
-            <a:picLocks noChangeAspect="1" noChangeArrowheads="1"/>
-          </p:cNvPicPr>
-          <p:nvPr/>
-        </p:nvPicPr>
-        <p:blipFill>
-          <a:blip r:embed="rId3" cstate="print"/>
-          <a:srcRect/>
-          <a:stretch>
-            <a:fillRect/>
-          </a:stretch>
-        </p:blipFill>
-        <p:spPr bwMode="auto">
-          <a:xfrm>
-            <a:off x="642910" y="5143513"/>
-            <a:ext cx="4143404" cy="1016306"/>
-          </a:xfrm>
-          <a:prstGeom prst="rect">
-            <a:avLst/>
-          </a:prstGeom>
-          <a:noFill/>
-        </p:spPr>
-      </p:pic>
-      <p:pic>
-        <p:nvPicPr>
-          <p:cNvPr id="52228" name="Picture 4" descr="D:\Assignements\Matérias da poli\TCC\Docs\Monografia\imagens\resultados\SimuladoRampa_C2-66.jpg"/>
-          <p:cNvPicPr>
-            <a:picLocks noChangeAspect="1" noChangeArrowheads="1"/>
-          </p:cNvPicPr>
-          <p:nvPr/>
-        </p:nvPicPr>
-        <p:blipFill>
-          <a:blip r:embed="rId4" cstate="print"/>
-          <a:srcRect/>
-          <a:stretch>
-            <a:fillRect/>
-          </a:stretch>
-        </p:blipFill>
-        <p:spPr bwMode="auto">
-          <a:xfrm>
-            <a:off x="857224" y="3214686"/>
-            <a:ext cx="7858180" cy="1601774"/>
-          </a:xfrm>
-          <a:prstGeom prst="rect">
-            <a:avLst/>
-          </a:prstGeom>
-          <a:noFill/>
-        </p:spPr>
-      </p:pic>
-      <p:pic>
-        <p:nvPicPr>
-          <p:cNvPr id="52229" name="Picture 5" descr="D:\Assignements\Matérias da poli\TCC\Docs\Monografia\imagens\resultados\SimuladoSecretaria_C2-43.jpg"/>
-          <p:cNvPicPr>
-            <a:picLocks noChangeAspect="1" noChangeArrowheads="1"/>
-          </p:cNvPicPr>
-          <p:nvPr/>
-        </p:nvPicPr>
-        <p:blipFill>
-          <a:blip r:embed="rId5" cstate="print"/>
-          <a:srcRect/>
-          <a:stretch>
-            <a:fillRect/>
-          </a:stretch>
-        </p:blipFill>
-        <p:spPr bwMode="auto">
-          <a:xfrm>
-            <a:off x="4857752" y="1643050"/>
-            <a:ext cx="3138920" cy="1664934"/>
-          </a:xfrm>
-          <a:prstGeom prst="rect">
-            <a:avLst/>
-          </a:prstGeom>
-          <a:noFill/>
-        </p:spPr>
-      </p:pic>
-      <p:pic>
-        <p:nvPicPr>
-          <p:cNvPr id="52230" name="Picture 6" descr="D:\Assignements\Matérias da poli\TCC\Docs\Monografia\imagens\resultados\SimuladoC2-13Secretaria.jpg"/>
-          <p:cNvPicPr>
-            <a:picLocks noChangeAspect="1" noChangeArrowheads="1"/>
-          </p:cNvPicPr>
-          <p:nvPr/>
-        </p:nvPicPr>
-        <p:blipFill>
-          <a:blip r:embed="rId6" cstate="print"/>
-          <a:srcRect/>
-          <a:stretch>
-            <a:fillRect/>
-          </a:stretch>
-        </p:blipFill>
-        <p:spPr bwMode="auto">
-          <a:xfrm>
-            <a:off x="928662" y="1714488"/>
-            <a:ext cx="2928958" cy="1441557"/>
-          </a:xfrm>
-          <a:prstGeom prst="rect">
-            <a:avLst/>
-          </a:prstGeom>
-          <a:noFill/>
-        </p:spPr>
-      </p:pic>
     </p:spTree>
   </p:cSld>
   <p:clrMapOvr>
     <a:masterClrMapping/>
   </p:clrMapOvr>
+  <p:timing>
+    <p:tnLst>
+      <p:par>
+        <p:cTn id="1" dur="indefinite" restart="never" nodeType="tmRoot"/>
+      </p:par>
+    </p:tnLst>
+  </p:timing>
 </p:sld>
 </file>
 
@@ -8351,7 +8410,42 @@
           <a:p>
             <a:r>
               <a:rPr lang="pt-BR" dirty="0" smtClean="0"/>
-              <a:t>Resultados Reais</a:t>
+              <a:t>Execução</a:t>
+            </a:r>
+            <a:endParaRPr lang="pt-BR" dirty="0"/>
+          </a:p>
+        </p:txBody>
+      </p:sp>
+      <p:sp>
+        <p:nvSpPr>
+          <p:cNvPr id="3" name="Espaço Reservado para Conteúdo 2"/>
+          <p:cNvSpPr>
+            <a:spLocks noGrp="1"/>
+          </p:cNvSpPr>
+          <p:nvPr>
+            <p:ph idx="1"/>
+          </p:nvPr>
+        </p:nvSpPr>
+        <p:spPr/>
+        <p:txBody>
+          <a:bodyPr/>
+          <a:lstStyle/>
+          <a:p>
+            <a:r>
+              <a:rPr lang="pt-BR" dirty="0" smtClean="0"/>
+              <a:t>Controle de rota</a:t>
+            </a:r>
+          </a:p>
+          <a:p>
+            <a:r>
+              <a:rPr lang="pt-BR" dirty="0" smtClean="0"/>
+              <a:t>Desvio de obstáculos</a:t>
+            </a:r>
+          </a:p>
+          <a:p>
+            <a:r>
+              <a:rPr lang="pt-BR" dirty="0" smtClean="0"/>
+              <a:t>Largada/Aproximação</a:t>
             </a:r>
             <a:endParaRPr lang="pt-BR" dirty="0"/>
           </a:p>
@@ -8376,6 +8470,512 @@
               <a:rPr lang="en-US" smtClean="0"/>
               <a:pPr/>
               <a:t>22</a:t>
+            </a:fld>
+            <a:endParaRPr lang="en-US"/>
+          </a:p>
+        </p:txBody>
+      </p:sp>
+    </p:spTree>
+  </p:cSld>
+  <p:clrMapOvr>
+    <a:masterClrMapping/>
+  </p:clrMapOvr>
+  <p:timing>
+    <p:tnLst>
+      <p:par>
+        <p:cTn id="1" dur="indefinite" restart="never" nodeType="tmRoot"/>
+      </p:par>
+    </p:tnLst>
+  </p:timing>
+</p:sld>
+</file>
+
+<file path=ppt/slides/slide23.xml><?xml version="1.0" encoding="utf-8"?>
+<p:sld xmlns:a="http://schemas.openxmlformats.org/drawingml/2006/main" xmlns:r="http://schemas.openxmlformats.org/officeDocument/2006/relationships" xmlns:p="http://schemas.openxmlformats.org/presentationml/2006/main">
+  <p:cSld>
+    <p:spTree>
+      <p:nvGrpSpPr>
+        <p:cNvPr id="1" name=""/>
+        <p:cNvGrpSpPr/>
+        <p:nvPr/>
+      </p:nvGrpSpPr>
+      <p:grpSpPr>
+        <a:xfrm>
+          <a:off x="0" y="0"/>
+          <a:ext cx="0" cy="0"/>
+          <a:chOff x="0" y="0"/>
+          <a:chExt cx="0" cy="0"/>
+        </a:xfrm>
+      </p:grpSpPr>
+      <p:sp>
+        <p:nvSpPr>
+          <p:cNvPr id="2" name="Título 1"/>
+          <p:cNvSpPr>
+            <a:spLocks noGrp="1"/>
+          </p:cNvSpPr>
+          <p:nvPr>
+            <p:ph type="title"/>
+          </p:nvPr>
+        </p:nvSpPr>
+        <p:spPr/>
+        <p:txBody>
+          <a:bodyPr/>
+          <a:lstStyle/>
+          <a:p>
+            <a:r>
+              <a:rPr lang="pt-BR" dirty="0" smtClean="0"/>
+              <a:t>Resultados e conclusão</a:t>
+            </a:r>
+            <a:endParaRPr lang="pt-BR" dirty="0"/>
+          </a:p>
+        </p:txBody>
+      </p:sp>
+      <p:sp>
+        <p:nvSpPr>
+          <p:cNvPr id="3" name="Espaço Reservado para Texto 2"/>
+          <p:cNvSpPr>
+            <a:spLocks noGrp="1"/>
+          </p:cNvSpPr>
+          <p:nvPr>
+            <p:ph type="body" idx="1"/>
+          </p:nvPr>
+        </p:nvSpPr>
+        <p:spPr/>
+        <p:txBody>
+          <a:bodyPr/>
+          <a:lstStyle/>
+          <a:p>
+            <a:r>
+              <a:rPr lang="pt-BR" dirty="0" smtClean="0"/>
+              <a:t>Resultados simulados</a:t>
+            </a:r>
+          </a:p>
+          <a:p>
+            <a:r>
+              <a:rPr lang="pt-BR" dirty="0" smtClean="0"/>
+              <a:t>Resultados reais</a:t>
+            </a:r>
+          </a:p>
+          <a:p>
+            <a:r>
+              <a:rPr lang="pt-BR" dirty="0" smtClean="0"/>
+              <a:t>Conclusão</a:t>
+            </a:r>
+            <a:endParaRPr lang="pt-BR" dirty="0"/>
+          </a:p>
+        </p:txBody>
+      </p:sp>
+      <p:sp>
+        <p:nvSpPr>
+          <p:cNvPr id="4" name="Espaço Reservado para Número de Slide 3"/>
+          <p:cNvSpPr>
+            <a:spLocks noGrp="1"/>
+          </p:cNvSpPr>
+          <p:nvPr>
+            <p:ph type="sldNum" sz="quarter" idx="10"/>
+          </p:nvPr>
+        </p:nvSpPr>
+        <p:spPr/>
+        <p:txBody>
+          <a:bodyPr/>
+          <a:lstStyle/>
+          <a:p>
+            <a:fld id="{058D19F5-E913-418A-A90D-8E876A2C46D8}" type="slidenum">
+              <a:rPr lang="en-US" smtClean="0"/>
+              <a:pPr/>
+              <a:t>23</a:t>
+            </a:fld>
+            <a:endParaRPr lang="en-US"/>
+          </a:p>
+        </p:txBody>
+      </p:sp>
+    </p:spTree>
+  </p:cSld>
+  <p:clrMapOvr>
+    <a:masterClrMapping/>
+  </p:clrMapOvr>
+  <p:timing>
+    <p:tnLst>
+      <p:par>
+        <p:cTn id="1" dur="indefinite" restart="never" nodeType="tmRoot"/>
+      </p:par>
+    </p:tnLst>
+  </p:timing>
+</p:sld>
+</file>
+
+<file path=ppt/slides/slide24.xml><?xml version="1.0" encoding="utf-8"?>
+<p:sld xmlns:a="http://schemas.openxmlformats.org/drawingml/2006/main" xmlns:r="http://schemas.openxmlformats.org/officeDocument/2006/relationships" xmlns:p="http://schemas.openxmlformats.org/presentationml/2006/main">
+  <p:cSld>
+    <p:spTree>
+      <p:nvGrpSpPr>
+        <p:cNvPr id="1" name=""/>
+        <p:cNvGrpSpPr/>
+        <p:nvPr/>
+      </p:nvGrpSpPr>
+      <p:grpSpPr>
+        <a:xfrm>
+          <a:off x="0" y="0"/>
+          <a:ext cx="0" cy="0"/>
+          <a:chOff x="0" y="0"/>
+          <a:chExt cx="0" cy="0"/>
+        </a:xfrm>
+      </p:grpSpPr>
+      <p:sp>
+        <p:nvSpPr>
+          <p:cNvPr id="2" name="Título 1"/>
+          <p:cNvSpPr>
+            <a:spLocks noGrp="1"/>
+          </p:cNvSpPr>
+          <p:nvPr>
+            <p:ph type="title"/>
+          </p:nvPr>
+        </p:nvSpPr>
+        <p:spPr/>
+        <p:txBody>
+          <a:bodyPr/>
+          <a:lstStyle/>
+          <a:p>
+            <a:r>
+              <a:rPr lang="pt-BR" dirty="0" smtClean="0"/>
+              <a:t>Resultados Simulados</a:t>
+            </a:r>
+            <a:endParaRPr lang="pt-BR" dirty="0"/>
+          </a:p>
+        </p:txBody>
+      </p:sp>
+      <p:sp>
+        <p:nvSpPr>
+          <p:cNvPr id="4" name="Espaço Reservado para Número de Slide 3"/>
+          <p:cNvSpPr>
+            <a:spLocks noGrp="1"/>
+          </p:cNvSpPr>
+          <p:nvPr>
+            <p:ph type="sldNum" sz="quarter" idx="10"/>
+          </p:nvPr>
+        </p:nvSpPr>
+        <p:spPr/>
+        <p:txBody>
+          <a:bodyPr/>
+          <a:lstStyle/>
+          <a:p>
+            <a:fld id="{0662D880-6AF0-4701-9C11-64CF39A4AFCE}" type="slidenum">
+              <a:rPr lang="en-US" smtClean="0"/>
+              <a:pPr/>
+              <a:t>24</a:t>
+            </a:fld>
+            <a:endParaRPr lang="en-US"/>
+          </a:p>
+        </p:txBody>
+      </p:sp>
+      <p:pic>
+        <p:nvPicPr>
+          <p:cNvPr id="51203" name="Picture 3"/>
+          <p:cNvPicPr>
+            <a:picLocks noChangeAspect="1" noChangeArrowheads="1"/>
+          </p:cNvPicPr>
+          <p:nvPr/>
+        </p:nvPicPr>
+        <p:blipFill>
+          <a:blip r:embed="rId2" cstate="print"/>
+          <a:srcRect/>
+          <a:stretch>
+            <a:fillRect/>
+          </a:stretch>
+        </p:blipFill>
+        <p:spPr bwMode="auto">
+          <a:xfrm>
+            <a:off x="642911" y="2500306"/>
+            <a:ext cx="8501090" cy="1783053"/>
+          </a:xfrm>
+          <a:prstGeom prst="rect">
+            <a:avLst/>
+          </a:prstGeom>
+          <a:noFill/>
+          <a:ln w="9525">
+            <a:noFill/>
+            <a:miter lim="800000"/>
+            <a:headEnd/>
+            <a:tailEnd/>
+          </a:ln>
+        </p:spPr>
+      </p:pic>
+    </p:spTree>
+  </p:cSld>
+  <p:clrMapOvr>
+    <a:masterClrMapping/>
+  </p:clrMapOvr>
+  <p:timing>
+    <p:tnLst>
+      <p:par>
+        <p:cTn id="1" dur="indefinite" restart="never" nodeType="tmRoot"/>
+      </p:par>
+    </p:tnLst>
+  </p:timing>
+</p:sld>
+</file>
+
+<file path=ppt/slides/slide25.xml><?xml version="1.0" encoding="utf-8"?>
+<p:sld xmlns:a="http://schemas.openxmlformats.org/drawingml/2006/main" xmlns:r="http://schemas.openxmlformats.org/officeDocument/2006/relationships" xmlns:p="http://schemas.openxmlformats.org/presentationml/2006/main">
+  <p:cSld>
+    <p:spTree>
+      <p:nvGrpSpPr>
+        <p:cNvPr id="1" name=""/>
+        <p:cNvGrpSpPr/>
+        <p:nvPr/>
+      </p:nvGrpSpPr>
+      <p:grpSpPr>
+        <a:xfrm>
+          <a:off x="0" y="0"/>
+          <a:ext cx="0" cy="0"/>
+          <a:chOff x="0" y="0"/>
+          <a:chExt cx="0" cy="0"/>
+        </a:xfrm>
+      </p:grpSpPr>
+      <p:sp>
+        <p:nvSpPr>
+          <p:cNvPr id="2" name="Title 1"/>
+          <p:cNvSpPr>
+            <a:spLocks noGrp="1"/>
+          </p:cNvSpPr>
+          <p:nvPr>
+            <p:ph type="title"/>
+          </p:nvPr>
+        </p:nvSpPr>
+        <p:spPr/>
+        <p:txBody>
+          <a:bodyPr/>
+          <a:lstStyle/>
+          <a:p>
+            <a:r>
+              <a:rPr lang="pt-BR" dirty="0" smtClean="0"/>
+              <a:t>Resultados Simulados</a:t>
+            </a:r>
+            <a:endParaRPr lang="pt-BR" dirty="0"/>
+          </a:p>
+        </p:txBody>
+      </p:sp>
+      <p:sp>
+        <p:nvSpPr>
+          <p:cNvPr id="4" name="Slide Number Placeholder 3"/>
+          <p:cNvSpPr>
+            <a:spLocks noGrp="1"/>
+          </p:cNvSpPr>
+          <p:nvPr>
+            <p:ph type="sldNum" sz="quarter" idx="10"/>
+          </p:nvPr>
+        </p:nvSpPr>
+        <p:spPr/>
+        <p:txBody>
+          <a:bodyPr/>
+          <a:lstStyle/>
+          <a:p>
+            <a:fld id="{0662D880-6AF0-4701-9C11-64CF39A4AFCE}" type="slidenum">
+              <a:rPr lang="en-US" smtClean="0"/>
+              <a:pPr/>
+              <a:t>25</a:t>
+            </a:fld>
+            <a:endParaRPr lang="en-US"/>
+          </a:p>
+        </p:txBody>
+      </p:sp>
+      <p:pic>
+        <p:nvPicPr>
+          <p:cNvPr id="52226" name="Picture 2" descr="D:\Assignements\Matérias da poli\TCC\Docs\Monografia\imagens\resultados\SimuladoC2-43_Rampa.jpg"/>
+          <p:cNvPicPr>
+            <a:picLocks noChangeAspect="1" noChangeArrowheads="1"/>
+          </p:cNvPicPr>
+          <p:nvPr/>
+        </p:nvPicPr>
+        <p:blipFill>
+          <a:blip r:embed="rId2" cstate="print"/>
+          <a:srcRect/>
+          <a:stretch>
+            <a:fillRect/>
+          </a:stretch>
+        </p:blipFill>
+        <p:spPr bwMode="auto">
+          <a:xfrm>
+            <a:off x="5143504" y="4732308"/>
+            <a:ext cx="3857620" cy="1599501"/>
+          </a:xfrm>
+          <a:prstGeom prst="rect">
+            <a:avLst/>
+          </a:prstGeom>
+          <a:noFill/>
+        </p:spPr>
+      </p:pic>
+      <p:pic>
+        <p:nvPicPr>
+          <p:cNvPr id="52227" name="Picture 3" descr="D:\Assignements\Matérias da poli\TCC\Docs\Monografia\imagens\resultados\SimuladoC2-66_C2-13.jpg"/>
+          <p:cNvPicPr>
+            <a:picLocks noChangeAspect="1" noChangeArrowheads="1"/>
+          </p:cNvPicPr>
+          <p:nvPr/>
+        </p:nvPicPr>
+        <p:blipFill>
+          <a:blip r:embed="rId3" cstate="print"/>
+          <a:srcRect/>
+          <a:stretch>
+            <a:fillRect/>
+          </a:stretch>
+        </p:blipFill>
+        <p:spPr bwMode="auto">
+          <a:xfrm>
+            <a:off x="642910" y="5143513"/>
+            <a:ext cx="4143404" cy="1016306"/>
+          </a:xfrm>
+          <a:prstGeom prst="rect">
+            <a:avLst/>
+          </a:prstGeom>
+          <a:noFill/>
+        </p:spPr>
+      </p:pic>
+      <p:pic>
+        <p:nvPicPr>
+          <p:cNvPr id="52228" name="Picture 4" descr="D:\Assignements\Matérias da poli\TCC\Docs\Monografia\imagens\resultados\SimuladoRampa_C2-66.jpg"/>
+          <p:cNvPicPr>
+            <a:picLocks noChangeAspect="1" noChangeArrowheads="1"/>
+          </p:cNvPicPr>
+          <p:nvPr/>
+        </p:nvPicPr>
+        <p:blipFill>
+          <a:blip r:embed="rId4" cstate="print"/>
+          <a:srcRect/>
+          <a:stretch>
+            <a:fillRect/>
+          </a:stretch>
+        </p:blipFill>
+        <p:spPr bwMode="auto">
+          <a:xfrm>
+            <a:off x="857224" y="3214686"/>
+            <a:ext cx="7858180" cy="1601774"/>
+          </a:xfrm>
+          <a:prstGeom prst="rect">
+            <a:avLst/>
+          </a:prstGeom>
+          <a:noFill/>
+        </p:spPr>
+      </p:pic>
+      <p:pic>
+        <p:nvPicPr>
+          <p:cNvPr id="52229" name="Picture 5" descr="D:\Assignements\Matérias da poli\TCC\Docs\Monografia\imagens\resultados\SimuladoSecretaria_C2-43.jpg"/>
+          <p:cNvPicPr>
+            <a:picLocks noChangeAspect="1" noChangeArrowheads="1"/>
+          </p:cNvPicPr>
+          <p:nvPr/>
+        </p:nvPicPr>
+        <p:blipFill>
+          <a:blip r:embed="rId5" cstate="print"/>
+          <a:srcRect/>
+          <a:stretch>
+            <a:fillRect/>
+          </a:stretch>
+        </p:blipFill>
+        <p:spPr bwMode="auto">
+          <a:xfrm>
+            <a:off x="4857752" y="1643050"/>
+            <a:ext cx="3138920" cy="1664934"/>
+          </a:xfrm>
+          <a:prstGeom prst="rect">
+            <a:avLst/>
+          </a:prstGeom>
+          <a:noFill/>
+        </p:spPr>
+      </p:pic>
+      <p:pic>
+        <p:nvPicPr>
+          <p:cNvPr id="52230" name="Picture 6" descr="D:\Assignements\Matérias da poli\TCC\Docs\Monografia\imagens\resultados\SimuladoC2-13Secretaria.jpg"/>
+          <p:cNvPicPr>
+            <a:picLocks noChangeAspect="1" noChangeArrowheads="1"/>
+          </p:cNvPicPr>
+          <p:nvPr/>
+        </p:nvPicPr>
+        <p:blipFill>
+          <a:blip r:embed="rId6" cstate="print"/>
+          <a:srcRect/>
+          <a:stretch>
+            <a:fillRect/>
+          </a:stretch>
+        </p:blipFill>
+        <p:spPr bwMode="auto">
+          <a:xfrm>
+            <a:off x="928662" y="1714488"/>
+            <a:ext cx="2928958" cy="1441557"/>
+          </a:xfrm>
+          <a:prstGeom prst="rect">
+            <a:avLst/>
+          </a:prstGeom>
+          <a:noFill/>
+        </p:spPr>
+      </p:pic>
+    </p:spTree>
+  </p:cSld>
+  <p:clrMapOvr>
+    <a:masterClrMapping/>
+  </p:clrMapOvr>
+</p:sld>
+</file>
+
+<file path=ppt/slides/slide26.xml><?xml version="1.0" encoding="utf-8"?>
+<p:sld xmlns:a="http://schemas.openxmlformats.org/drawingml/2006/main" xmlns:r="http://schemas.openxmlformats.org/officeDocument/2006/relationships" xmlns:p="http://schemas.openxmlformats.org/presentationml/2006/main">
+  <p:cSld>
+    <p:spTree>
+      <p:nvGrpSpPr>
+        <p:cNvPr id="1" name=""/>
+        <p:cNvGrpSpPr/>
+        <p:nvPr/>
+      </p:nvGrpSpPr>
+      <p:grpSpPr>
+        <a:xfrm>
+          <a:off x="0" y="0"/>
+          <a:ext cx="0" cy="0"/>
+          <a:chOff x="0" y="0"/>
+          <a:chExt cx="0" cy="0"/>
+        </a:xfrm>
+      </p:grpSpPr>
+      <p:sp>
+        <p:nvSpPr>
+          <p:cNvPr id="2" name="Título 1"/>
+          <p:cNvSpPr>
+            <a:spLocks noGrp="1"/>
+          </p:cNvSpPr>
+          <p:nvPr>
+            <p:ph type="title"/>
+          </p:nvPr>
+        </p:nvSpPr>
+        <p:spPr/>
+        <p:txBody>
+          <a:bodyPr/>
+          <a:lstStyle/>
+          <a:p>
+            <a:r>
+              <a:rPr lang="pt-BR" dirty="0" smtClean="0"/>
+              <a:t>Resultados Reais</a:t>
+            </a:r>
+            <a:endParaRPr lang="pt-BR" dirty="0"/>
+          </a:p>
+        </p:txBody>
+      </p:sp>
+      <p:sp>
+        <p:nvSpPr>
+          <p:cNvPr id="4" name="Espaço Reservado para Número de Slide 3"/>
+          <p:cNvSpPr>
+            <a:spLocks noGrp="1"/>
+          </p:cNvSpPr>
+          <p:nvPr>
+            <p:ph type="sldNum" sz="quarter" idx="10"/>
+          </p:nvPr>
+        </p:nvSpPr>
+        <p:spPr/>
+        <p:txBody>
+          <a:bodyPr/>
+          <a:lstStyle/>
+          <a:p>
+            <a:fld id="{0662D880-6AF0-4701-9C11-64CF39A4AFCE}" type="slidenum">
+              <a:rPr lang="en-US" smtClean="0"/>
+              <a:pPr/>
+              <a:t>26</a:t>
             </a:fld>
             <a:endParaRPr lang="en-US"/>
           </a:p>
@@ -8530,7 +9130,7 @@
 </p:sld>
 </file>
 
-<file path=ppt/slides/slide23.xml><?xml version="1.0" encoding="utf-8"?>
+<file path=ppt/slides/slide27.xml><?xml version="1.0" encoding="utf-8"?>
 <p:sld xmlns:a="http://schemas.openxmlformats.org/drawingml/2006/main" xmlns:r="http://schemas.openxmlformats.org/officeDocument/2006/relationships" xmlns:p="http://schemas.openxmlformats.org/presentationml/2006/main">
   <p:cSld>
     <p:spTree>
@@ -8588,7 +9188,7 @@
             <a:fld id="{0662D880-6AF0-4701-9C11-64CF39A4AFCE}" type="slidenum">
               <a:rPr lang="en-US" smtClean="0"/>
               <a:pPr/>
-              <a:t>23</a:t>
+              <a:t>27</a:t>
             </a:fld>
             <a:endParaRPr lang="en-US"/>
           </a:p>
@@ -8743,7 +9343,7 @@
 </p:sld>
 </file>
 
-<file path=ppt/slides/slide24.xml><?xml version="1.0" encoding="utf-8"?>
+<file path=ppt/slides/slide28.xml><?xml version="1.0" encoding="utf-8"?>
 <p:sld xmlns:a="http://schemas.openxmlformats.org/drawingml/2006/main" xmlns:r="http://schemas.openxmlformats.org/officeDocument/2006/relationships" xmlns:p="http://schemas.openxmlformats.org/presentationml/2006/main">
   <p:cSld>
     <p:spTree>
@@ -8801,7 +9401,7 @@
             <a:fld id="{0662D880-6AF0-4701-9C11-64CF39A4AFCE}" type="slidenum">
               <a:rPr lang="en-US" smtClean="0"/>
               <a:pPr/>
-              <a:t>24</a:t>
+              <a:t>28</a:t>
             </a:fld>
             <a:endParaRPr lang="en-US"/>
           </a:p>
@@ -8956,7 +9556,7 @@
 </p:sld>
 </file>
 
-<file path=ppt/slides/slide25.xml><?xml version="1.0" encoding="utf-8"?>
+<file path=ppt/slides/slide29.xml><?xml version="1.0" encoding="utf-8"?>
 <p:sld xmlns:a="http://schemas.openxmlformats.org/drawingml/2006/main" xmlns:r="http://schemas.openxmlformats.org/officeDocument/2006/relationships" xmlns:p="http://schemas.openxmlformats.org/presentationml/2006/main">
   <p:cSld>
     <p:spTree>
@@ -9014,7 +9614,7 @@
             <a:fld id="{0662D880-6AF0-4701-9C11-64CF39A4AFCE}" type="slidenum">
               <a:rPr lang="en-US" smtClean="0"/>
               <a:pPr/>
-              <a:t>25</a:t>
+              <a:t>29</a:t>
             </a:fld>
             <a:endParaRPr lang="en-US"/>
           </a:p>
@@ -9169,285 +9769,6 @@
 </p:sld>
 </file>
 
-<file path=ppt/slides/slide26.xml><?xml version="1.0" encoding="utf-8"?>
-<p:sld xmlns:a="http://schemas.openxmlformats.org/drawingml/2006/main" xmlns:r="http://schemas.openxmlformats.org/officeDocument/2006/relationships" xmlns:p="http://schemas.openxmlformats.org/presentationml/2006/main">
-  <p:cSld>
-    <p:spTree>
-      <p:nvGrpSpPr>
-        <p:cNvPr id="1" name=""/>
-        <p:cNvGrpSpPr/>
-        <p:nvPr/>
-      </p:nvGrpSpPr>
-      <p:grpSpPr>
-        <a:xfrm>
-          <a:off x="0" y="0"/>
-          <a:ext cx="0" cy="0"/>
-          <a:chOff x="0" y="0"/>
-          <a:chExt cx="0" cy="0"/>
-        </a:xfrm>
-      </p:grpSpPr>
-      <p:sp>
-        <p:nvSpPr>
-          <p:cNvPr id="2" name="Título 1"/>
-          <p:cNvSpPr>
-            <a:spLocks noGrp="1"/>
-          </p:cNvSpPr>
-          <p:nvPr>
-            <p:ph type="title"/>
-          </p:nvPr>
-        </p:nvSpPr>
-        <p:spPr/>
-        <p:txBody>
-          <a:bodyPr/>
-          <a:lstStyle/>
-          <a:p>
-            <a:r>
-              <a:rPr lang="pt-BR" dirty="0" smtClean="0"/>
-              <a:t>Conclusão</a:t>
-            </a:r>
-            <a:endParaRPr lang="pt-BR" dirty="0"/>
-          </a:p>
-        </p:txBody>
-      </p:sp>
-      <p:sp>
-        <p:nvSpPr>
-          <p:cNvPr id="3" name="Espaço Reservado para Conteúdo 2"/>
-          <p:cNvSpPr>
-            <a:spLocks noGrp="1"/>
-          </p:cNvSpPr>
-          <p:nvPr>
-            <p:ph idx="1"/>
-          </p:nvPr>
-        </p:nvSpPr>
-        <p:spPr/>
-        <p:txBody>
-          <a:bodyPr/>
-          <a:lstStyle/>
-          <a:p>
-            <a:r>
-              <a:rPr lang="pt-BR" dirty="0" smtClean="0"/>
-              <a:t>É possível construir um </a:t>
-            </a:r>
-            <a:r>
-              <a:rPr lang="pt-BR" dirty="0" err="1" smtClean="0"/>
-              <a:t>robo</a:t>
-            </a:r>
-            <a:r>
-              <a:rPr lang="pt-BR" dirty="0" smtClean="0"/>
-              <a:t> guia de baixo custo</a:t>
-            </a:r>
-          </a:p>
-          <a:p>
-            <a:r>
-              <a:rPr lang="pt-BR" dirty="0" smtClean="0"/>
-              <a:t>Localização só com sonares é boa</a:t>
-            </a:r>
-          </a:p>
-          <a:p>
-            <a:pPr lvl="1"/>
-            <a:r>
-              <a:rPr lang="pt-BR" dirty="0" smtClean="0"/>
-              <a:t>Expectativa era a visão</a:t>
-            </a:r>
-            <a:endParaRPr lang="pt-BR" dirty="0"/>
-          </a:p>
-          <a:p>
-            <a:pPr lvl="1"/>
-            <a:r>
-              <a:rPr lang="pt-BR" dirty="0" smtClean="0"/>
-              <a:t>Modelo novo desenvolvido</a:t>
-            </a:r>
-          </a:p>
-          <a:p>
-            <a:r>
-              <a:rPr lang="pt-BR" dirty="0" smtClean="0"/>
-              <a:t>Navegação simples e eficaz</a:t>
-            </a:r>
-          </a:p>
-          <a:p>
-            <a:endParaRPr lang="pt-BR" dirty="0" smtClean="0"/>
-          </a:p>
-        </p:txBody>
-      </p:sp>
-      <p:sp>
-        <p:nvSpPr>
-          <p:cNvPr id="4" name="Espaço Reservado para Número de Slide 3"/>
-          <p:cNvSpPr>
-            <a:spLocks noGrp="1"/>
-          </p:cNvSpPr>
-          <p:nvPr>
-            <p:ph type="sldNum" sz="quarter" idx="10"/>
-          </p:nvPr>
-        </p:nvSpPr>
-        <p:spPr/>
-        <p:txBody>
-          <a:bodyPr/>
-          <a:lstStyle/>
-          <a:p>
-            <a:fld id="{0662D880-6AF0-4701-9C11-64CF39A4AFCE}" type="slidenum">
-              <a:rPr lang="en-US" smtClean="0"/>
-              <a:pPr/>
-              <a:t>26</a:t>
-            </a:fld>
-            <a:endParaRPr lang="en-US"/>
-          </a:p>
-        </p:txBody>
-      </p:sp>
-    </p:spTree>
-  </p:cSld>
-  <p:clrMapOvr>
-    <a:masterClrMapping/>
-  </p:clrMapOvr>
-  <p:timing>
-    <p:tnLst>
-      <p:par>
-        <p:cTn id="1" dur="indefinite" restart="never" nodeType="tmRoot"/>
-      </p:par>
-    </p:tnLst>
-  </p:timing>
-</p:sld>
-</file>
-
-<file path=ppt/slides/slide27.xml><?xml version="1.0" encoding="utf-8"?>
-<p:sld xmlns:a="http://schemas.openxmlformats.org/drawingml/2006/main" xmlns:r="http://schemas.openxmlformats.org/officeDocument/2006/relationships" xmlns:p="http://schemas.openxmlformats.org/presentationml/2006/main">
-  <p:cSld>
-    <p:spTree>
-      <p:nvGrpSpPr>
-        <p:cNvPr id="1" name=""/>
-        <p:cNvGrpSpPr/>
-        <p:nvPr/>
-      </p:nvGrpSpPr>
-      <p:grpSpPr>
-        <a:xfrm>
-          <a:off x="0" y="0"/>
-          <a:ext cx="0" cy="0"/>
-          <a:chOff x="0" y="0"/>
-          <a:chExt cx="0" cy="0"/>
-        </a:xfrm>
-      </p:grpSpPr>
-      <p:sp>
-        <p:nvSpPr>
-          <p:cNvPr id="2" name="Título 1"/>
-          <p:cNvSpPr>
-            <a:spLocks noGrp="1"/>
-          </p:cNvSpPr>
-          <p:nvPr>
-            <p:ph type="title"/>
-          </p:nvPr>
-        </p:nvSpPr>
-        <p:spPr/>
-        <p:txBody>
-          <a:bodyPr/>
-          <a:lstStyle/>
-          <a:p>
-            <a:r>
-              <a:rPr lang="pt-BR" dirty="0" smtClean="0"/>
-              <a:t>Conclusão</a:t>
-            </a:r>
-            <a:endParaRPr lang="pt-BR" dirty="0"/>
-          </a:p>
-        </p:txBody>
-      </p:sp>
-      <p:sp>
-        <p:nvSpPr>
-          <p:cNvPr id="3" name="Espaço Reservado para Conteúdo 2"/>
-          <p:cNvSpPr>
-            <a:spLocks noGrp="1"/>
-          </p:cNvSpPr>
-          <p:nvPr>
-            <p:ph idx="1"/>
-          </p:nvPr>
-        </p:nvSpPr>
-        <p:spPr/>
-        <p:txBody>
-          <a:bodyPr/>
-          <a:lstStyle/>
-          <a:p>
-            <a:r>
-              <a:rPr lang="pt-BR" dirty="0" smtClean="0"/>
-              <a:t>Trabalho futuro</a:t>
-            </a:r>
-          </a:p>
-          <a:p>
-            <a:pPr lvl="1"/>
-            <a:r>
-              <a:rPr lang="pt-BR" dirty="0" smtClean="0"/>
-              <a:t>Integração visão</a:t>
-            </a:r>
-          </a:p>
-          <a:p>
-            <a:pPr lvl="1"/>
-            <a:r>
-              <a:rPr lang="pt-BR" dirty="0" smtClean="0"/>
-              <a:t>Rota adaptativa</a:t>
-            </a:r>
-          </a:p>
-          <a:p>
-            <a:pPr lvl="1"/>
-            <a:r>
-              <a:rPr lang="pt-BR" dirty="0" smtClean="0"/>
-              <a:t>Navegação fluida</a:t>
-            </a:r>
-          </a:p>
-          <a:p>
-            <a:pPr lvl="1"/>
-            <a:r>
-              <a:rPr lang="pt-BR" dirty="0" smtClean="0"/>
-              <a:t>Melhoria robustez</a:t>
-            </a:r>
-          </a:p>
-          <a:p>
-            <a:pPr lvl="1"/>
-            <a:r>
-              <a:rPr lang="pt-BR" dirty="0" smtClean="0"/>
-              <a:t>Melhorar movimento nas rampas</a:t>
-            </a:r>
-          </a:p>
-          <a:p>
-            <a:pPr lvl="1"/>
-            <a:endParaRPr lang="pt-BR" dirty="0"/>
-          </a:p>
-        </p:txBody>
-      </p:sp>
-      <p:sp>
-        <p:nvSpPr>
-          <p:cNvPr id="4" name="Espaço Reservado para Número de Slide 3"/>
-          <p:cNvSpPr>
-            <a:spLocks noGrp="1"/>
-          </p:cNvSpPr>
-          <p:nvPr>
-            <p:ph type="sldNum" sz="quarter" idx="10"/>
-          </p:nvPr>
-        </p:nvSpPr>
-        <p:spPr/>
-        <p:txBody>
-          <a:bodyPr/>
-          <a:lstStyle/>
-          <a:p>
-            <a:fld id="{0662D880-6AF0-4701-9C11-64CF39A4AFCE}" type="slidenum">
-              <a:rPr lang="en-US" smtClean="0"/>
-              <a:pPr/>
-              <a:t>27</a:t>
-            </a:fld>
-            <a:endParaRPr lang="en-US"/>
-          </a:p>
-        </p:txBody>
-      </p:sp>
-    </p:spTree>
-  </p:cSld>
-  <p:clrMapOvr>
-    <a:masterClrMapping/>
-  </p:clrMapOvr>
-  <p:timing>
-    <p:tnLst>
-      <p:par>
-        <p:cTn id="1" dur="indefinite" restart="never" nodeType="tmRoot"/>
-      </p:par>
-    </p:tnLst>
-  </p:timing>
-</p:sld>
-</file>
-
 <file path=ppt/slides/slide3.xml><?xml version="1.0" encoding="utf-8"?>
 <p:sld xmlns:a="http://schemas.openxmlformats.org/drawingml/2006/main" xmlns:r="http://schemas.openxmlformats.org/officeDocument/2006/relationships" xmlns:p="http://schemas.openxmlformats.org/presentationml/2006/main">
   <p:cSld>
@@ -9585,6 +9906,285 @@
           <a:noFill/>
         </p:spPr>
       </p:pic>
+    </p:spTree>
+  </p:cSld>
+  <p:clrMapOvr>
+    <a:masterClrMapping/>
+  </p:clrMapOvr>
+  <p:timing>
+    <p:tnLst>
+      <p:par>
+        <p:cTn id="1" dur="indefinite" restart="never" nodeType="tmRoot"/>
+      </p:par>
+    </p:tnLst>
+  </p:timing>
+</p:sld>
+</file>
+
+<file path=ppt/slides/slide30.xml><?xml version="1.0" encoding="utf-8"?>
+<p:sld xmlns:a="http://schemas.openxmlformats.org/drawingml/2006/main" xmlns:r="http://schemas.openxmlformats.org/officeDocument/2006/relationships" xmlns:p="http://schemas.openxmlformats.org/presentationml/2006/main">
+  <p:cSld>
+    <p:spTree>
+      <p:nvGrpSpPr>
+        <p:cNvPr id="1" name=""/>
+        <p:cNvGrpSpPr/>
+        <p:nvPr/>
+      </p:nvGrpSpPr>
+      <p:grpSpPr>
+        <a:xfrm>
+          <a:off x="0" y="0"/>
+          <a:ext cx="0" cy="0"/>
+          <a:chOff x="0" y="0"/>
+          <a:chExt cx="0" cy="0"/>
+        </a:xfrm>
+      </p:grpSpPr>
+      <p:sp>
+        <p:nvSpPr>
+          <p:cNvPr id="2" name="Título 1"/>
+          <p:cNvSpPr>
+            <a:spLocks noGrp="1"/>
+          </p:cNvSpPr>
+          <p:nvPr>
+            <p:ph type="title"/>
+          </p:nvPr>
+        </p:nvSpPr>
+        <p:spPr/>
+        <p:txBody>
+          <a:bodyPr/>
+          <a:lstStyle/>
+          <a:p>
+            <a:r>
+              <a:rPr lang="pt-BR" dirty="0" smtClean="0"/>
+              <a:t>Conclusão</a:t>
+            </a:r>
+            <a:endParaRPr lang="pt-BR" dirty="0"/>
+          </a:p>
+        </p:txBody>
+      </p:sp>
+      <p:sp>
+        <p:nvSpPr>
+          <p:cNvPr id="3" name="Espaço Reservado para Conteúdo 2"/>
+          <p:cNvSpPr>
+            <a:spLocks noGrp="1"/>
+          </p:cNvSpPr>
+          <p:nvPr>
+            <p:ph idx="1"/>
+          </p:nvPr>
+        </p:nvSpPr>
+        <p:spPr/>
+        <p:txBody>
+          <a:bodyPr/>
+          <a:lstStyle/>
+          <a:p>
+            <a:r>
+              <a:rPr lang="pt-BR" dirty="0" smtClean="0"/>
+              <a:t>É possível construir um </a:t>
+            </a:r>
+            <a:r>
+              <a:rPr lang="pt-BR" dirty="0" err="1" smtClean="0"/>
+              <a:t>robo</a:t>
+            </a:r>
+            <a:r>
+              <a:rPr lang="pt-BR" dirty="0" smtClean="0"/>
+              <a:t> guia de baixo custo</a:t>
+            </a:r>
+          </a:p>
+          <a:p>
+            <a:r>
+              <a:rPr lang="pt-BR" dirty="0" smtClean="0"/>
+              <a:t>Localização só com sonares é boa</a:t>
+            </a:r>
+          </a:p>
+          <a:p>
+            <a:pPr lvl="1"/>
+            <a:r>
+              <a:rPr lang="pt-BR" dirty="0" smtClean="0"/>
+              <a:t>Expectativa era a visão</a:t>
+            </a:r>
+            <a:endParaRPr lang="pt-BR" dirty="0"/>
+          </a:p>
+          <a:p>
+            <a:pPr lvl="1"/>
+            <a:r>
+              <a:rPr lang="pt-BR" dirty="0" smtClean="0"/>
+              <a:t>Modelo novo desenvolvido</a:t>
+            </a:r>
+          </a:p>
+          <a:p>
+            <a:r>
+              <a:rPr lang="pt-BR" dirty="0" smtClean="0"/>
+              <a:t>Navegação simples e eficaz</a:t>
+            </a:r>
+          </a:p>
+          <a:p>
+            <a:endParaRPr lang="pt-BR" dirty="0" smtClean="0"/>
+          </a:p>
+        </p:txBody>
+      </p:sp>
+      <p:sp>
+        <p:nvSpPr>
+          <p:cNvPr id="4" name="Espaço Reservado para Número de Slide 3"/>
+          <p:cNvSpPr>
+            <a:spLocks noGrp="1"/>
+          </p:cNvSpPr>
+          <p:nvPr>
+            <p:ph type="sldNum" sz="quarter" idx="10"/>
+          </p:nvPr>
+        </p:nvSpPr>
+        <p:spPr/>
+        <p:txBody>
+          <a:bodyPr/>
+          <a:lstStyle/>
+          <a:p>
+            <a:fld id="{0662D880-6AF0-4701-9C11-64CF39A4AFCE}" type="slidenum">
+              <a:rPr lang="en-US" smtClean="0"/>
+              <a:pPr/>
+              <a:t>30</a:t>
+            </a:fld>
+            <a:endParaRPr lang="en-US"/>
+          </a:p>
+        </p:txBody>
+      </p:sp>
+    </p:spTree>
+  </p:cSld>
+  <p:clrMapOvr>
+    <a:masterClrMapping/>
+  </p:clrMapOvr>
+  <p:timing>
+    <p:tnLst>
+      <p:par>
+        <p:cTn id="1" dur="indefinite" restart="never" nodeType="tmRoot"/>
+      </p:par>
+    </p:tnLst>
+  </p:timing>
+</p:sld>
+</file>
+
+<file path=ppt/slides/slide31.xml><?xml version="1.0" encoding="utf-8"?>
+<p:sld xmlns:a="http://schemas.openxmlformats.org/drawingml/2006/main" xmlns:r="http://schemas.openxmlformats.org/officeDocument/2006/relationships" xmlns:p="http://schemas.openxmlformats.org/presentationml/2006/main">
+  <p:cSld>
+    <p:spTree>
+      <p:nvGrpSpPr>
+        <p:cNvPr id="1" name=""/>
+        <p:cNvGrpSpPr/>
+        <p:nvPr/>
+      </p:nvGrpSpPr>
+      <p:grpSpPr>
+        <a:xfrm>
+          <a:off x="0" y="0"/>
+          <a:ext cx="0" cy="0"/>
+          <a:chOff x="0" y="0"/>
+          <a:chExt cx="0" cy="0"/>
+        </a:xfrm>
+      </p:grpSpPr>
+      <p:sp>
+        <p:nvSpPr>
+          <p:cNvPr id="2" name="Título 1"/>
+          <p:cNvSpPr>
+            <a:spLocks noGrp="1"/>
+          </p:cNvSpPr>
+          <p:nvPr>
+            <p:ph type="title"/>
+          </p:nvPr>
+        </p:nvSpPr>
+        <p:spPr/>
+        <p:txBody>
+          <a:bodyPr/>
+          <a:lstStyle/>
+          <a:p>
+            <a:r>
+              <a:rPr lang="pt-BR" dirty="0" smtClean="0"/>
+              <a:t>Conclusão</a:t>
+            </a:r>
+            <a:endParaRPr lang="pt-BR" dirty="0"/>
+          </a:p>
+        </p:txBody>
+      </p:sp>
+      <p:sp>
+        <p:nvSpPr>
+          <p:cNvPr id="3" name="Espaço Reservado para Conteúdo 2"/>
+          <p:cNvSpPr>
+            <a:spLocks noGrp="1"/>
+          </p:cNvSpPr>
+          <p:nvPr>
+            <p:ph idx="1"/>
+          </p:nvPr>
+        </p:nvSpPr>
+        <p:spPr/>
+        <p:txBody>
+          <a:bodyPr/>
+          <a:lstStyle/>
+          <a:p>
+            <a:r>
+              <a:rPr lang="pt-BR" dirty="0" smtClean="0"/>
+              <a:t>Trabalho futuro</a:t>
+            </a:r>
+          </a:p>
+          <a:p>
+            <a:pPr lvl="1"/>
+            <a:r>
+              <a:rPr lang="pt-BR" dirty="0" smtClean="0"/>
+              <a:t>Integração visão</a:t>
+            </a:r>
+          </a:p>
+          <a:p>
+            <a:pPr lvl="1"/>
+            <a:r>
+              <a:rPr lang="pt-BR" dirty="0" smtClean="0"/>
+              <a:t>Rota adaptativa</a:t>
+            </a:r>
+          </a:p>
+          <a:p>
+            <a:pPr lvl="1"/>
+            <a:r>
+              <a:rPr lang="pt-BR" dirty="0" smtClean="0"/>
+              <a:t>Navegação fluida</a:t>
+            </a:r>
+          </a:p>
+          <a:p>
+            <a:pPr lvl="1"/>
+            <a:r>
+              <a:rPr lang="pt-BR" dirty="0" smtClean="0"/>
+              <a:t>Melhoria robustez</a:t>
+            </a:r>
+          </a:p>
+          <a:p>
+            <a:pPr lvl="1"/>
+            <a:r>
+              <a:rPr lang="pt-BR" dirty="0" smtClean="0"/>
+              <a:t>Melhorar movimento nas rampas</a:t>
+            </a:r>
+          </a:p>
+          <a:p>
+            <a:pPr lvl="1"/>
+            <a:endParaRPr lang="pt-BR" dirty="0"/>
+          </a:p>
+        </p:txBody>
+      </p:sp>
+      <p:sp>
+        <p:nvSpPr>
+          <p:cNvPr id="4" name="Espaço Reservado para Número de Slide 3"/>
+          <p:cNvSpPr>
+            <a:spLocks noGrp="1"/>
+          </p:cNvSpPr>
+          <p:nvPr>
+            <p:ph type="sldNum" sz="quarter" idx="10"/>
+          </p:nvPr>
+        </p:nvSpPr>
+        <p:spPr/>
+        <p:txBody>
+          <a:bodyPr/>
+          <a:lstStyle/>
+          <a:p>
+            <a:fld id="{0662D880-6AF0-4701-9C11-64CF39A4AFCE}" type="slidenum">
+              <a:rPr lang="en-US" smtClean="0"/>
+              <a:pPr/>
+              <a:t>31</a:t>
+            </a:fld>
+            <a:endParaRPr lang="en-US"/>
+          </a:p>
+        </p:txBody>
+      </p:sp>
     </p:spTree>
   </p:cSld>
   <p:clrMapOvr>
